--- a/trunk/ITERACION 4/SUB ITERACION 3/PPT I4S3 FINAL v1.pptx
+++ b/trunk/ITERACION 4/SUB ITERACION 3/PPT I4S3 FINAL v1.pptx
@@ -269,7 +269,7 @@
               <a:pPr>
                 <a:defRPr/>
               </a:pPr>
-              <a:t>15/10/2012</a:t>
+              <a:t>16/10/2012</a:t>
             </a:fld>
             <a:endParaRPr lang="es-PE"/>
           </a:p>
@@ -3448,7 +3448,7 @@
               <a:pPr>
                 <a:defRPr/>
               </a:pPr>
-              <a:t>15/10/2012</a:t>
+              <a:t>16/10/2012</a:t>
             </a:fld>
             <a:endParaRPr lang="es-PE"/>
           </a:p>
@@ -3656,7 +3656,7 @@
               <a:pPr>
                 <a:defRPr/>
               </a:pPr>
-              <a:t>15/10/2012</a:t>
+              <a:t>16/10/2012</a:t>
             </a:fld>
             <a:endParaRPr lang="es-PE"/>
           </a:p>
@@ -5561,7 +5561,7 @@
               <a:pPr>
                 <a:defRPr/>
               </a:pPr>
-              <a:t>15/10/2012</a:t>
+              <a:t>16/10/2012</a:t>
             </a:fld>
             <a:endParaRPr lang="es-PE"/>
           </a:p>
@@ -5678,7 +5678,7 @@
               <a:pPr>
                 <a:defRPr/>
               </a:pPr>
-              <a:t>15/10/2012</a:t>
+              <a:t>16/10/2012</a:t>
             </a:fld>
             <a:endParaRPr lang="es-PE"/>
           </a:p>
@@ -5870,7 +5870,7 @@
               <a:pPr>
                 <a:defRPr/>
               </a:pPr>
-              <a:t>15/10/2012</a:t>
+              <a:t>16/10/2012</a:t>
             </a:fld>
             <a:endParaRPr lang="es-PE"/>
           </a:p>
@@ -7787,7 +7787,7 @@
               <a:pPr>
                 <a:defRPr/>
               </a:pPr>
-              <a:t>15/10/2012</a:t>
+              <a:t>16/10/2012</a:t>
             </a:fld>
             <a:endParaRPr lang="es-PE"/>
           </a:p>
@@ -8041,7 +8041,7 @@
               <a:pPr>
                 <a:defRPr/>
               </a:pPr>
-              <a:t>15/10/2012</a:t>
+              <a:t>16/10/2012</a:t>
             </a:fld>
             <a:endParaRPr lang="es-PE"/>
           </a:p>
@@ -8495,7 +8495,7 @@
               <a:pPr>
                 <a:defRPr/>
               </a:pPr>
-              <a:t>15/10/2012</a:t>
+              <a:t>16/10/2012</a:t>
             </a:fld>
             <a:endParaRPr lang="es-PE"/>
           </a:p>
@@ -8635,7 +8635,7 @@
               <a:pPr>
                 <a:defRPr/>
               </a:pPr>
-              <a:t>15/10/2012</a:t>
+              <a:t>16/10/2012</a:t>
             </a:fld>
             <a:endParaRPr lang="es-PE"/>
           </a:p>
@@ -10416,7 +10416,7 @@
               <a:pPr>
                 <a:defRPr/>
               </a:pPr>
-              <a:t>15/10/2012</a:t>
+              <a:t>16/10/2012</a:t>
             </a:fld>
             <a:endParaRPr lang="es-PE"/>
           </a:p>
@@ -12432,7 +12432,7 @@
               <a:pPr>
                 <a:defRPr/>
               </a:pPr>
-              <a:t>15/10/2012</a:t>
+              <a:t>16/10/2012</a:t>
             </a:fld>
             <a:endParaRPr lang="es-PE"/>
           </a:p>
@@ -14419,7 +14419,7 @@
               <a:pPr>
                 <a:defRPr/>
               </a:pPr>
-              <a:t>15/10/2012</a:t>
+              <a:t>16/10/2012</a:t>
             </a:fld>
             <a:endParaRPr lang="es-PE"/>
           </a:p>
@@ -16267,7 +16267,7 @@
               <a:pPr>
                 <a:defRPr/>
               </a:pPr>
-              <a:t>15/10/2012</a:t>
+              <a:t>16/10/2012</a:t>
             </a:fld>
             <a:endParaRPr lang="es-PE"/>
           </a:p>
@@ -17056,20 +17056,14 @@
               </a:lnSpc>
             </a:pPr>
             <a:r>
-              <a:rPr lang="es-PE" sz="3200" b="1" dirty="0" smtClean="0">
+              <a:rPr lang="es-PE" sz="3200" b="1" dirty="0">
                 <a:solidFill>
                   <a:srgbClr val="FFFFFF"/>
                 </a:solidFill>
                 <a:latin typeface="Candara" pitchFamily="34" charset="0"/>
               </a:rPr>
-              <a:t>Mecanismo arquitecturales</a:t>
+              <a:t>Mecanismos arquitecturales</a:t>
             </a:r>
-            <a:endParaRPr lang="es-PE" sz="3200" b="1" dirty="0">
-              <a:solidFill>
-                <a:srgbClr val="FFFFFF"/>
-              </a:solidFill>
-              <a:latin typeface="Candara" pitchFamily="34" charset="0"/>
-            </a:endParaRPr>
           </a:p>
         </p:txBody>
       </p:sp>
@@ -17919,20 +17913,14 @@
               </a:lnSpc>
             </a:pPr>
             <a:r>
-              <a:rPr lang="es-PE" sz="3200" b="1" dirty="0" smtClean="0">
+              <a:rPr lang="es-PE" sz="3200" b="1" dirty="0">
                 <a:solidFill>
                   <a:srgbClr val="FFFFFF"/>
                 </a:solidFill>
                 <a:latin typeface="Candara" pitchFamily="34" charset="0"/>
               </a:rPr>
-              <a:t>Mecanismo arquitecturales</a:t>
+              <a:t>Mecanismos arquitecturales</a:t>
             </a:r>
-            <a:endParaRPr lang="es-PE" sz="3200" b="1" dirty="0">
-              <a:solidFill>
-                <a:srgbClr val="FFFFFF"/>
-              </a:solidFill>
-              <a:latin typeface="Candara" pitchFamily="34" charset="0"/>
-            </a:endParaRPr>
           </a:p>
         </p:txBody>
       </p:sp>
@@ -18630,15 +18618,7 @@
                   <a:schemeClr val="tx2"/>
                 </a:solidFill>
               </a:rPr>
-              <a:t>VISTA DE </a:t>
-            </a:r>
-            <a:r>
-              <a:rPr lang="en-US" b="1" dirty="0" smtClean="0">
-                <a:solidFill>
-                  <a:schemeClr val="tx2"/>
-                </a:solidFill>
-              </a:rPr>
-              <a:t>DATOS</a:t>
+              <a:t>VISTA DE DATOS</a:t>
             </a:r>
             <a:endParaRPr lang="es-PE" b="1" dirty="0" smtClean="0">
               <a:solidFill>
@@ -18854,15 +18834,7 @@
                   <a:schemeClr val="tx2"/>
                 </a:solidFill>
               </a:rPr>
-              <a:t>VISTA </a:t>
-            </a:r>
-            <a:r>
-              <a:rPr lang="en-US" b="1" dirty="0" smtClean="0">
-                <a:solidFill>
-                  <a:schemeClr val="tx2"/>
-                </a:solidFill>
-              </a:rPr>
-              <a:t>CONCEPTUAL</a:t>
+              <a:t>VISTA CONCEPTUAL</a:t>
             </a:r>
             <a:endParaRPr lang="es-PE" b="1" dirty="0" smtClean="0">
               <a:solidFill>
@@ -19181,15 +19153,7 @@
                   <a:schemeClr val="tx2"/>
                 </a:solidFill>
               </a:rPr>
-              <a:t>VISTA </a:t>
-            </a:r>
-            <a:r>
-              <a:rPr lang="en-US" b="1" dirty="0" smtClean="0">
-                <a:solidFill>
-                  <a:schemeClr val="tx2"/>
-                </a:solidFill>
-              </a:rPr>
-              <a:t>LOGICA</a:t>
+              <a:t>VISTA LOGICA</a:t>
             </a:r>
             <a:endParaRPr lang="es-PE" b="1" dirty="0" smtClean="0">
               <a:solidFill>
@@ -19414,23 +19378,7 @@
                   <a:schemeClr val="tx2"/>
                 </a:solidFill>
               </a:rPr>
-              <a:t>VISTA </a:t>
-            </a:r>
-            <a:r>
-              <a:rPr lang="en-US" b="1" dirty="0" smtClean="0">
-                <a:solidFill>
-                  <a:schemeClr val="tx2"/>
-                </a:solidFill>
-              </a:rPr>
-              <a:t>DE </a:t>
-            </a:r>
-            <a:r>
-              <a:rPr lang="en-US" b="1" dirty="0" smtClean="0">
-                <a:solidFill>
-                  <a:schemeClr val="tx2"/>
-                </a:solidFill>
-              </a:rPr>
-              <a:t>IMPLEMENTACION</a:t>
+              <a:t>VISTA DE IMPLEMENTACION</a:t>
             </a:r>
             <a:endParaRPr lang="es-PE" b="1" dirty="0" smtClean="0">
               <a:solidFill>
@@ -19519,16 +19467,7 @@
                 </a:solidFill>
                 <a:latin typeface="Candara" pitchFamily="34" charset="0"/>
               </a:rPr>
-              <a:t>Vista de </a:t>
-            </a:r>
-            <a:r>
-              <a:rPr lang="es-PE" sz="3200" b="1" dirty="0" smtClean="0">
-                <a:solidFill>
-                  <a:srgbClr val="FFFFFF"/>
-                </a:solidFill>
-                <a:latin typeface="Candara" pitchFamily="34" charset="0"/>
-              </a:rPr>
-              <a:t>implementación</a:t>
+              <a:t>Vista de implementación</a:t>
             </a:r>
             <a:endParaRPr lang="es-PE" sz="3200" b="1" dirty="0">
               <a:solidFill>
@@ -21996,7 +21935,16 @@
                 </a:solidFill>
                 <a:latin typeface="Candara" pitchFamily="34" charset="0"/>
               </a:rPr>
-              <a:t>Mecanismo arquitecturales</a:t>
+              <a:t>Mecanismos </a:t>
+            </a:r>
+            <a:r>
+              <a:rPr lang="es-PE" sz="3200" b="1" dirty="0" smtClean="0">
+                <a:solidFill>
+                  <a:srgbClr val="FFFFFF"/>
+                </a:solidFill>
+                <a:latin typeface="Candara" pitchFamily="34" charset="0"/>
+              </a:rPr>
+              <a:t>arquitecturales</a:t>
             </a:r>
             <a:endParaRPr lang="es-PE" sz="3200" b="1" dirty="0">
               <a:solidFill>
@@ -22855,14 +22803,20 @@
               </a:lnSpc>
             </a:pPr>
             <a:r>
-              <a:rPr lang="es-PE" sz="3200" b="1">
+              <a:rPr lang="es-PE" sz="3200" b="1" dirty="0">
                 <a:solidFill>
                   <a:srgbClr val="FFFFFF"/>
                 </a:solidFill>
                 <a:latin typeface="Candara" pitchFamily="34" charset="0"/>
               </a:rPr>
-              <a:t>Metas y restricciones</a:t>
+              <a:t>Mecanismos arquitecturales</a:t>
             </a:r>
+            <a:endParaRPr lang="es-PE" sz="3200" b="1" dirty="0">
+              <a:solidFill>
+                <a:srgbClr val="FFFFFF"/>
+              </a:solidFill>
+              <a:latin typeface="Candara" pitchFamily="34" charset="0"/>
+            </a:endParaRPr>
           </a:p>
         </p:txBody>
       </p:sp>
